--- a/Presentation/Presentation_Matt_Aaron Final.pptx
+++ b/Presentation/Presentation_Matt_Aaron Final.pptx
@@ -152,6 +152,10 @@
 </p:cmAuthorLst>
 </file>
 
+<file path=ppt/revisionInfo.xml><?xml version="1.0" encoding="utf-8"?>
+<p1510:revInfo xmlns:a="http://schemas.openxmlformats.org/drawingml/2006/main" xmlns:r="http://schemas.openxmlformats.org/officeDocument/2006/relationships" xmlns:p1510="http://schemas.microsoft.com/office/powerpoint/2015/10/main"/>
+</file>
+
 <file path=ppt/notesMasters/notesMaster1.xml><?xml version="1.0" encoding="utf-8"?>
 <p:notesMaster xmlns:a="http://schemas.openxmlformats.org/drawingml/2006/main" xmlns:r="http://schemas.openxmlformats.org/officeDocument/2006/relationships" xmlns:p="http://schemas.openxmlformats.org/presentationml/2006/main">
   <p:cSld>
@@ -235,7 +239,7 @@
             <a:fld id="{638B805B-5044-4500-A3EC-8C466530767F}" type="datetimeFigureOut">
               <a:rPr lang="en-GB" smtClean="0"/>
               <a:pPr/>
-              <a:t>27/04/2017</a:t>
+              <a:t>28/04/2017</a:t>
             </a:fld>
             <a:endParaRPr lang="en-GB"/>
           </a:p>
@@ -1107,7 +1111,7 @@
             <a:fld id="{B61BEF0D-F0BB-DE4B-95CE-6DB70DBA9567}" type="datetimeFigureOut">
               <a:rPr lang="en-US" smtClean="0"/>
               <a:pPr/>
-              <a:t>4/27/2017</a:t>
+              <a:t>4/28/2017</a:t>
             </a:fld>
             <a:endParaRPr lang="en-US" dirty="0"/>
           </a:p>
@@ -1436,7 +1440,7 @@
             <a:fld id="{B61BEF0D-F0BB-DE4B-95CE-6DB70DBA9567}" type="datetimeFigureOut">
               <a:rPr lang="en-US" smtClean="0"/>
               <a:pPr/>
-              <a:t>4/27/2017</a:t>
+              <a:t>4/28/2017</a:t>
             </a:fld>
             <a:endParaRPr lang="en-US" dirty="0"/>
           </a:p>
@@ -1689,7 +1693,7 @@
             <a:fld id="{B61BEF0D-F0BB-DE4B-95CE-6DB70DBA9567}" type="datetimeFigureOut">
               <a:rPr lang="en-US" smtClean="0"/>
               <a:pPr/>
-              <a:t>4/27/2017</a:t>
+              <a:t>4/28/2017</a:t>
             </a:fld>
             <a:endParaRPr lang="en-US" dirty="0"/>
           </a:p>
@@ -2033,7 +2037,7 @@
             <a:fld id="{B61BEF0D-F0BB-DE4B-95CE-6DB70DBA9567}" type="datetimeFigureOut">
               <a:rPr lang="en-US" smtClean="0"/>
               <a:pPr/>
-              <a:t>4/27/2017</a:t>
+              <a:t>4/28/2017</a:t>
             </a:fld>
             <a:endParaRPr lang="en-US" dirty="0"/>
           </a:p>
@@ -2385,7 +2389,7 @@
             <a:fld id="{B61BEF0D-F0BB-DE4B-95CE-6DB70DBA9567}" type="datetimeFigureOut">
               <a:rPr lang="en-US" smtClean="0"/>
               <a:pPr/>
-              <a:t>4/27/2017</a:t>
+              <a:t>4/28/2017</a:t>
             </a:fld>
             <a:endParaRPr lang="en-US" dirty="0"/>
           </a:p>
@@ -2764,7 +2768,7 @@
             <a:fld id="{B61BEF0D-F0BB-DE4B-95CE-6DB70DBA9567}" type="datetimeFigureOut">
               <a:rPr lang="en-US" smtClean="0"/>
               <a:pPr/>
-              <a:t>4/27/2017</a:t>
+              <a:t>4/28/2017</a:t>
             </a:fld>
             <a:endParaRPr lang="en-US" dirty="0"/>
           </a:p>
@@ -3239,7 +3243,7 @@
             <a:fld id="{B61BEF0D-F0BB-DE4B-95CE-6DB70DBA9567}" type="datetimeFigureOut">
               <a:rPr lang="en-US" smtClean="0"/>
               <a:pPr/>
-              <a:t>4/27/2017</a:t>
+              <a:t>4/28/2017</a:t>
             </a:fld>
             <a:endParaRPr lang="en-US" dirty="0"/>
           </a:p>
@@ -3449,7 +3453,7 @@
             <a:fld id="{B61BEF0D-F0BB-DE4B-95CE-6DB70DBA9567}" type="datetimeFigureOut">
               <a:rPr lang="en-US" smtClean="0"/>
               <a:pPr/>
-              <a:t>4/27/2017</a:t>
+              <a:t>4/28/2017</a:t>
             </a:fld>
             <a:endParaRPr lang="en-US" dirty="0"/>
           </a:p>
@@ -3665,7 +3669,7 @@
             <a:fld id="{B61BEF0D-F0BB-DE4B-95CE-6DB70DBA9567}" type="datetimeFigureOut">
               <a:rPr lang="en-US" smtClean="0"/>
               <a:pPr/>
-              <a:t>4/27/2017</a:t>
+              <a:t>4/28/2017</a:t>
             </a:fld>
             <a:endParaRPr lang="en-US" dirty="0"/>
           </a:p>
@@ -3902,7 +3906,7 @@
             <a:fld id="{52647F38-B617-4D2F-AE0A-013F0C4D2C57}" type="datetimeFigureOut">
               <a:rPr lang="en-US" smtClean="0"/>
               <a:pPr/>
-              <a:t>4/27/2017</a:t>
+              <a:t>4/28/2017</a:t>
             </a:fld>
             <a:endParaRPr lang="en-US" dirty="0"/>
           </a:p>
@@ -4155,7 +4159,7 @@
             <a:fld id="{B61BEF0D-F0BB-DE4B-95CE-6DB70DBA9567}" type="datetimeFigureOut">
               <a:rPr lang="en-US" smtClean="0"/>
               <a:pPr/>
-              <a:t>4/27/2017</a:t>
+              <a:t>4/28/2017</a:t>
             </a:fld>
             <a:endParaRPr lang="en-US" dirty="0"/>
           </a:p>
@@ -4427,7 +4431,7 @@
             <a:fld id="{05BFA754-D5C3-4E66-96A6-867B257F58DC}" type="datetimeFigureOut">
               <a:rPr lang="en-US" smtClean="0"/>
               <a:pPr/>
-              <a:t>4/27/2017</a:t>
+              <a:t>4/28/2017</a:t>
             </a:fld>
             <a:endParaRPr lang="en-US" dirty="0"/>
           </a:p>
@@ -4845,7 +4849,7 @@
             <a:fld id="{B61BEF0D-F0BB-DE4B-95CE-6DB70DBA9567}" type="datetimeFigureOut">
               <a:rPr lang="en-US" smtClean="0"/>
               <a:pPr/>
-              <a:t>4/27/2017</a:t>
+              <a:t>4/28/2017</a:t>
             </a:fld>
             <a:endParaRPr lang="en-US" dirty="0"/>
           </a:p>
@@ -4999,7 +5003,7 @@
             <a:fld id="{B61BEF0D-F0BB-DE4B-95CE-6DB70DBA9567}" type="datetimeFigureOut">
               <a:rPr lang="en-US" smtClean="0"/>
               <a:pPr/>
-              <a:t>4/27/2017</a:t>
+              <a:t>4/28/2017</a:t>
             </a:fld>
             <a:endParaRPr lang="en-US" dirty="0"/>
           </a:p>
@@ -5130,7 +5134,7 @@
             <a:fld id="{B61BEF0D-F0BB-DE4B-95CE-6DB70DBA9567}" type="datetimeFigureOut">
               <a:rPr lang="en-US" smtClean="0"/>
               <a:pPr/>
-              <a:t>4/27/2017</a:t>
+              <a:t>4/28/2017</a:t>
             </a:fld>
             <a:endParaRPr lang="en-US" dirty="0"/>
           </a:p>
@@ -5390,7 +5394,7 @@
             <a:fld id="{B61BEF0D-F0BB-DE4B-95CE-6DB70DBA9567}" type="datetimeFigureOut">
               <a:rPr lang="en-US" smtClean="0"/>
               <a:pPr/>
-              <a:t>4/27/2017</a:t>
+              <a:t>4/28/2017</a:t>
             </a:fld>
             <a:endParaRPr lang="en-US" dirty="0"/>
           </a:p>
@@ -5710,7 +5714,7 @@
             <a:fld id="{B61BEF0D-F0BB-DE4B-95CE-6DB70DBA9567}" type="datetimeFigureOut">
               <a:rPr lang="en-US" smtClean="0"/>
               <a:pPr/>
-              <a:t>4/27/2017</a:t>
+              <a:t>4/28/2017</a:t>
             </a:fld>
             <a:endParaRPr lang="en-US" dirty="0"/>
           </a:p>
@@ -6066,7 +6070,7 @@
             <a:fld id="{B61BEF0D-F0BB-DE4B-95CE-6DB70DBA9567}" type="datetimeFigureOut">
               <a:rPr lang="en-US" smtClean="0"/>
               <a:pPr/>
-              <a:t>4/27/2017</a:t>
+              <a:t>4/28/2017</a:t>
             </a:fld>
             <a:endParaRPr lang="en-US" dirty="0"/>
           </a:p>
@@ -6950,25 +6954,29 @@
           </a:p>
         </p:txBody>
       </p:sp>
-      <p:sp>
-        <p:nvSpPr>
-          <p:cNvPr id="3" name="Content Placeholder 2"/>
-          <p:cNvSpPr>
-            <a:spLocks noGrp="1"/>
-          </p:cNvSpPr>
+      <p:pic>
+        <p:nvPicPr>
+          <p:cNvPr id="5" name="Content Placeholder 4"/>
+          <p:cNvPicPr>
+            <a:picLocks noGrp="1" noChangeAspect="1"/>
+          </p:cNvPicPr>
           <p:nvPr>
             <p:ph idx="1"/>
           </p:nvPr>
-        </p:nvSpPr>
-        <p:spPr/>
-        <p:txBody>
-          <a:bodyPr/>
-          <a:lstStyle/>
-          <a:p>
-            <a:endParaRPr lang="en-GB"/>
-          </a:p>
-        </p:txBody>
-      </p:sp>
+        </p:nvPicPr>
+        <p:blipFill>
+          <a:blip r:embed="rId2"/>
+          <a:stretch>
+            <a:fillRect/>
+          </a:stretch>
+        </p:blipFill>
+        <p:spPr>
+          <a:xfrm>
+            <a:off x="3776869" y="2471394"/>
+            <a:ext cx="4706288" cy="3619563"/>
+          </a:xfrm>
+        </p:spPr>
+      </p:pic>
     </p:spTree>
     <p:extLst>
       <p:ext uri="{BB962C8B-B14F-4D97-AF65-F5344CB8AC3E}">
@@ -7190,13 +7198,8 @@
           <a:p>
             <a:r>
               <a:rPr lang="en-GB" dirty="0"/>
-              <a:t>Over scoped – large game cuts </a:t>
-            </a:r>
-            <a:r>
-              <a:rPr lang="en-GB" dirty="0" err="1"/>
-              <a:t>occured</a:t>
-            </a:r>
-            <a:endParaRPr lang="en-GB" dirty="0"/>
+              <a:t>Over scoped – large game cuts occurred</a:t>
+            </a:r>
           </a:p>
           <a:p>
             <a:endParaRPr lang="en-GB" dirty="0"/>
